--- a/Marley international Sales Report 2015.pptx
+++ b/Marley international Sales Report 2015.pptx
@@ -201,7 +201,7 @@
           <a:p>
             <a:fld id="{3A66E791-6C14-4B19-B242-DE693D0DCDD0}" type="datetimeFigureOut">
               <a:rPr lang="en-US" smtClean="0"/>
-              <a:t>10/17/2024</a:t>
+              <a:t>11/12/2024</a:t>
             </a:fld>
             <a:endParaRPr lang="en-US"/>
           </a:p>
@@ -699,7 +699,7 @@
           <a:p>
             <a:fld id="{44AC4CF2-08F4-40D7-A422-908271C2DD19}" type="datetimeFigureOut">
               <a:rPr lang="en-US" smtClean="0"/>
-              <a:t>10/17/2024</a:t>
+              <a:t>11/12/2024</a:t>
             </a:fld>
             <a:endParaRPr lang="en-US"/>
           </a:p>
@@ -897,7 +897,7 @@
           <a:p>
             <a:fld id="{44AC4CF2-08F4-40D7-A422-908271C2DD19}" type="datetimeFigureOut">
               <a:rPr lang="en-US" smtClean="0"/>
-              <a:t>10/17/2024</a:t>
+              <a:t>11/12/2024</a:t>
             </a:fld>
             <a:endParaRPr lang="en-US"/>
           </a:p>
@@ -1105,7 +1105,7 @@
           <a:p>
             <a:fld id="{44AC4CF2-08F4-40D7-A422-908271C2DD19}" type="datetimeFigureOut">
               <a:rPr lang="en-US" smtClean="0"/>
-              <a:t>10/17/2024</a:t>
+              <a:t>11/12/2024</a:t>
             </a:fld>
             <a:endParaRPr lang="en-US"/>
           </a:p>
@@ -1303,7 +1303,7 @@
           <a:p>
             <a:fld id="{44AC4CF2-08F4-40D7-A422-908271C2DD19}" type="datetimeFigureOut">
               <a:rPr lang="en-US" smtClean="0"/>
-              <a:t>10/17/2024</a:t>
+              <a:t>11/12/2024</a:t>
             </a:fld>
             <a:endParaRPr lang="en-US"/>
           </a:p>
@@ -1578,7 +1578,7 @@
           <a:p>
             <a:fld id="{44AC4CF2-08F4-40D7-A422-908271C2DD19}" type="datetimeFigureOut">
               <a:rPr lang="en-US" smtClean="0"/>
-              <a:t>10/17/2024</a:t>
+              <a:t>11/12/2024</a:t>
             </a:fld>
             <a:endParaRPr lang="en-US"/>
           </a:p>
@@ -1843,7 +1843,7 @@
           <a:p>
             <a:fld id="{44AC4CF2-08F4-40D7-A422-908271C2DD19}" type="datetimeFigureOut">
               <a:rPr lang="en-US" smtClean="0"/>
-              <a:t>10/17/2024</a:t>
+              <a:t>11/12/2024</a:t>
             </a:fld>
             <a:endParaRPr lang="en-US"/>
           </a:p>
@@ -2255,7 +2255,7 @@
           <a:p>
             <a:fld id="{44AC4CF2-08F4-40D7-A422-908271C2DD19}" type="datetimeFigureOut">
               <a:rPr lang="en-US" smtClean="0"/>
-              <a:t>10/17/2024</a:t>
+              <a:t>11/12/2024</a:t>
             </a:fld>
             <a:endParaRPr lang="en-US"/>
           </a:p>
@@ -2396,7 +2396,7 @@
           <a:p>
             <a:fld id="{44AC4CF2-08F4-40D7-A422-908271C2DD19}" type="datetimeFigureOut">
               <a:rPr lang="en-US" smtClean="0"/>
-              <a:t>10/17/2024</a:t>
+              <a:t>11/12/2024</a:t>
             </a:fld>
             <a:endParaRPr lang="en-US"/>
           </a:p>
@@ -2509,7 +2509,7 @@
           <a:p>
             <a:fld id="{44AC4CF2-08F4-40D7-A422-908271C2DD19}" type="datetimeFigureOut">
               <a:rPr lang="en-US" smtClean="0"/>
-              <a:t>10/17/2024</a:t>
+              <a:t>11/12/2024</a:t>
             </a:fld>
             <a:endParaRPr lang="en-US"/>
           </a:p>
@@ -2820,7 +2820,7 @@
           <a:p>
             <a:fld id="{44AC4CF2-08F4-40D7-A422-908271C2DD19}" type="datetimeFigureOut">
               <a:rPr lang="en-US" smtClean="0"/>
-              <a:t>10/17/2024</a:t>
+              <a:t>11/12/2024</a:t>
             </a:fld>
             <a:endParaRPr lang="en-US"/>
           </a:p>
@@ -3108,7 +3108,7 @@
           <a:p>
             <a:fld id="{44AC4CF2-08F4-40D7-A422-908271C2DD19}" type="datetimeFigureOut">
               <a:rPr lang="en-US" smtClean="0"/>
-              <a:t>10/17/2024</a:t>
+              <a:t>11/12/2024</a:t>
             </a:fld>
             <a:endParaRPr lang="en-US"/>
           </a:p>
@@ -3349,7 +3349,7 @@
           <a:p>
             <a:fld id="{44AC4CF2-08F4-40D7-A422-908271C2DD19}" type="datetimeFigureOut">
               <a:rPr lang="en-US" smtClean="0"/>
-              <a:t>10/17/2024</a:t>
+              <a:t>11/12/2024</a:t>
             </a:fld>
             <a:endParaRPr lang="en-US"/>
           </a:p>
@@ -5519,7 +5519,7 @@
   <we:properties>
     <we:property name="artifactViewState" value="&quot;live&quot;"/>
     <we:property name="backgroundColor" value="&quot;#FFFFFF&quot;"/>
-    <we:property name="bookmark" value="&quot;H4sIAAAAAAAAA+2Y30/bMBDH/5XKz90UJ23S8AaFaQ9sQ3TiZerDxb6kBjeOHKfQof7vs51QYK0GQyAQVKrU5HsX3w9/Lkl7TbioKwnL7zBHskcOlLqYg77oUdInZauFeZoNUhhAYD+UDiPKE2tVlRGqrMneNTGgCzRnom5AuoWs+IsMB3GYxwnENKZslAyzmMdk2icg5QkUzicHWWOfVKhrVYIUv7FdwpqMbnDVJ3hVSaXBBZoYMOiCLay7PbeJ0c+RzQOYEQucIDOtGo8gpHk2jFKaByNIAp66YurWwee71cUt7cOPVWlAlDaM08JBlLFRRofWPUMajXAYOT0X0nQu2fLoqtK2ZtuJZeVats8XUDLkxJegsW4zvib7RaGxANOdHt0zjpVs5lv0iWo0w1PMvak0wixtjB+au/gr26YTrWwTvToBia34pSm7lgTudKYuxxptD7kT+utUx1YqlBYM5Ea2XwVq0Gy2PMYFys3E1vZN001KZ6BFu3++iCcU15G5Xojcq9c79g4dG875TkbEib1bwZm7Osg3u8UzstmWqVVqURayI/EWip9tt6TlYjwDbdwAZOeWKUfA6oZCm9j5Hc663i49Gu++mdOVUxMeBoxTGkRJkGLA7Xix3by8ky3+73mpxEKZn5BJfNTAnKrL+iMNy9Zn5AcZludI6BQLd9UTwGQ++tZbuXKhDtqb9qHQNy8WYf+vRF+r3avpYx43z9reltYRHcY0RQaM0pBmgyDhgwdpfWkE7CFvmOmti/8Xj29+dHbcvhATLcFpEHMepykCUJpAEEZh8mYInjTZpx3FO4of4KIlmY+4fbXmPMtTFoYY5pDkr06y/43eU7pntYWwiO4w3mG8DQrHsMf4tmdkjrrwb+mqMXUFDE+gRJ9F1S4m0PtZVqDkbof8sXbfx8JC327QGcjG7Y3/c4n4MD7aH1K4T+nqEgAA&quot;"/>
+    <we:property name="bookmark" value="&quot;H4sIAAAAAAAAA+2YTVPbMBCG/0pG57Rj2fEXNwh0eqAtQxgunRzW0toROJZHlgMpk/9eSQ4BmhRoB4aW5JT41Ub77upZj50bwkVTlzD/ClMke+RAysspqMseJX1SdVrmx0FIM86yJEpp6PssBbMqay1k1ZC9G6JBFajPRdNCaTcy4vdxn0BZnkBhr3IoG+yTGlUjKyjFD+yCzZJWLS76BK/rUiqwW440aLTbzky4uTYW6MfAZASmxQxHyHSnRgn4NM/CIKW5l0Ds8dTabroA52xjiN3apR/KSoOoTBqr+YMgY0lGQxOeIQ0SDAOr56LUy5BsfnRdK1OdqXle2+bs8xlUDDlxJShsOsc3ZL8oFBagl5dHDxaHsmynG/SRbBXDU8zdUqWFnpsc3xS3+RemTSdKmiY6dQQlduKntlq2xLOXE3k1VGh6yK3QX1kdGqmQSjAo19x+FqhAscn8GGdYrhtbra8v3Vo6ByW683NF/EVxSwZXG5EH9brA3qFlwwbfc0Ss2LsT7PKyDvLFHPGErLdlbJRGVEW5JPEOirOuW6XhYjgBpS3q2YVhyhKwuKXQGLu4x9myt3OHxrtv5nhhVZ5wngDnWZ4y30c/hzh/cl4eg/BFpsLePHpS9Yw2E2YyN5x9//+Z3icxZc7LRlClTXzQIXko1O1t0+//Yvutal2MnzNMrwVFx3DqRZxHaYoAlMbg+YEfvznD5itvme6N2uzDqhc7jLce499w0ZGc0DCiKTJglPo0G3gxH/wzJO8o3lH8CBMdweEg8vMohohGlCVxmEU82pbn75cwdIqF/dWO29fhdtXejtaY+x7jlHpB7KXomSfhmG0Lre/+BeePJ6gWM6nPICvxWa+Lp/Kq2Z5XRTcvd00hU1SF8ylb3dTA8AQqdO2ou7QCXZyBDipuT8B9V/bzWJjp6g7gHMrW+nZ/LhGXxmX7CaIZ0/nUEgAA&quot;"/>
     <we:property name="creatorSessionId" value="&quot;d6dbd6c1-4f3f-4524-82ce-468bc45fa0db&quot;"/>
     <we:property name="creatorTenantId" value="&quot;3d9c14c6-c3ed-4dae-bb5f-c37cccd3ab49&quot;"/>
     <we:property name="creatorUserId" value="&quot;10032003CBB44361&quot;"/>
@@ -5548,23 +5548,23 @@
     <we:reference id="WA200003233" version="2.0.0.3" store="" storeType="OMEX"/>
   </we:alternateReferences>
   <we:properties>
-    <we:property name="reportUrl" value="&quot;/groups/me/reports/8b7c46f9-cc72-46de-b923-037a03e4f333/88fa9fda4329748fbd3e?bookmarkGuid=b371b513-e5b0-461a-ba7d-6864c180b7a4&amp;bookmarkUsage=1&amp;ctid=3d9c14c6-c3ed-4dae-bb5f-c37cccd3ab49&amp;fromEntryPoint=export&quot;"/>
-    <we:property name="reportName" value="&quot;~$Marley International Store Sales analytics (Recovered 996ea20d5a0148f5bb637a7aa3f9b127)&quot;"/>
-    <we:property name="reportState" value="&quot;CONNECTED&quot;"/>
+    <we:property name="artifactViewState" value="&quot;live&quot;"/>
+    <we:property name="backgroundColor" value="&quot;#FFFFFF&quot;"/>
+    <we:property name="bookmark" value="&quot;H4sIAAAAAAAAA+2XTVPbMBCG/0pGZ7fjD8WxuUGankrLkA6XDoe1tDICx/LIMiVl8t+7kkMLlJYZSqc5JJdYq7X23VePv26Z1H3XwPojrJAdsCNjrlZgryYJi1g7xvJclLMqKadTBEwxB0hnNGs6p03bs4Nb5sDW6M50P0DjF6Lgl/OIQdOcQO1HCpoeI9ah7U0Ljf6GYzJNOTvgJmJ40zXGgl9y6cChX/aa0mlMEpK3GVUE4fQ1LlG4MVoUCkolgWdpOeOFqmSGlNaPCUHZkyl+6VB+bloHuqUyPpbOEo5VhhLTHDCeVUJmPq5047Yp1Xpx01nqjnped96cQ3kNrUDJQgsW+1HxLTtG6Acbii0eTCzNYAWeogpTrdNuTet8stLX2JAVJ9aQUSF6SBaQgxMKKe0mx+SzbkPShfk6t0hGSXYQb84p0uu2bra+/mzx8yhTgPUSTXVJ5vhW6ATjSx6tQzfvtL2zNY0eCf6nnZB0SuQJB8l5Bjyp0jQVyUyWz1o/p+5rY7Wgfh+7PzfNsGr/TvIp1v6sX92Ont/9w7q2WIPbDhevLm70MUTfD+126+KXkBHEzC/AupcC8t+a3Zzf3RQo4/LeZb9FY5T+qiwQrp5XTIVQWc7jrAA+RY5l9d95nQ+9Myu0kyXWK2zdntw9uU9SsWVY5ZUs87ICCYCSHvE7cM+lQzkIN1kO1ZsfVuw53nP8OzJGljORyErwAqbTgnMR50qlO8PynuM9x3+kYmS4qBLFs2mc0guFKhOpijJ++efHzmAT7dL19izDDqoGFzcP+Q2/+xFGz9M6fBCZwfUdCDyBFsO+dKMejSGPmoRW+trh2Pr/D5q2cyx9Bs3gq4bPYxbKeBY23wEVRxrtlg8AAA==&quot;"/>
+    <we:property name="creatorSessionId" value="&quot;ce4c724a-e035-4bd1-9637-383196f999cc&quot;"/>
+    <we:property name="creatorTenantId" value="&quot;3d9c14c6-c3ed-4dae-bb5f-c37cccd3ab49&quot;"/>
+    <we:property name="creatorUserId" value="&quot;10032003CBB44361&quot;"/>
+    <we:property name="datasetId" value="&quot;8caa287d-2856-4279-b7e6-4eec2e32df16&quot;"/>
     <we:property name="embedUrl" value="&quot;/reportEmbed?reportId=8b7c46f9-cc72-46de-b923-037a03e4f333&amp;config=eyJjbHVzdGVyVXJsIjoiaHR0cHM6Ly9XQUJJLVdFU1QtRVVST1BFLUItUFJJTUFSWS1yZWRpcmVjdC5hbmFseXNpcy53aW5kb3dzLm5ldCIsImVtYmVkRmVhdHVyZXMiOnsidXNhZ2VNZXRyaWNzVk5leHQiOnRydWV9fQ%3D%3D&amp;disableSensitivityBanner=true&quot;"/>
-    <we:property name="pageName" value="&quot;88fa9fda4329748fbd3e&quot;"/>
-    <we:property name="pageDisplayName" value="&quot;Profit&quot;"/>
-    <we:property name="datasetId" value="&quot;8caa287d-2856-4279-b7e6-4eec2e32df16&quot;"/>
-    <we:property name="backgroundColor" value="&quot;#FFFFFF&quot;"/>
-    <we:property name="bookmark" value="&quot;H4sIAAAAAAAAA+1XTU/bQBD9K9Ge3cofm9jmBik9lRaRigvKYbw7axYc21qvKSnKf+/s2kApkSLRIqiUUzyzk5k3b57XmjsmdddWsP4KK2QH7KhprldgricRC1g9+EQaJcjVdDpLuQxlHoW5oNOmtbqpO3ZwxyyYEu257nqoXCJyXiwDBlV1CqWzFFQdBqxF0zU1VPonDsF0ZE2Pm4DhbVs1BlzKhQWLLu0NhZNNEKKPCVUEYfUNLlDYwZtlCnIlgSdxnvJMFTJBCuuGAI9sa4hL7cvPm9qCrqmMjy0ixZNpGAOfqjySKstD51e6smNIsT6+bQ11Rz2vW0fOobyBWqBkvgWD3YD4jh2WpcES7GgePzmcN1W/2uJfNL0ReIbKH9VW2zXV+Gakq78hmk5NQyR6Lz0qbb33c1+PnITOvGx+zA0SidI5ggesc3KVjdECqmdw/xEi2Qs7Geus2XMwS/J0ui6rUQCPs/g+YLRQVHh86/RVXNEgHe0blycRkSwEz2A6zTgX4UypeOd03kHHwX8klZ3TER7M/BKMfTohMlzlo7Vn/5M29y9pHPyB+82a3SzvbxCKuPrtjngYnoP+SqpYeg1zNStkPssLkAAo85Ssd6PhRV982Ot4r+Odyhi1jLEQKpnxMMnog4kc8+LNtTzvO9us0EwWWK6wtnsd73W8VRWjhiMOkvMEeFTEcSyi9B3cx2dYun/tlbtX7qMWBr3GacSxSFBiPAMM00LI5OUbyglC1xv8O4SHtKTRjjcZuJqc0Caot4l3tyDAyJcq4VU78dy72EdojC6T0pdretu1IPAUavQw2yGhRh9HhEMtHQP+2bjfL5pmNRBwDlXvevfrMfNlfLFffNbOzpYPAAA=&quot;"/>
     <we:property name="initialStateBookmark" value="&quot;H4sIAAAAAAAAA+1XTW/bMAz9K4HO3hDbyod7S7Ps0qUtmqGXIRhoiXLVOrYhy12zIv99lOw26xogQLeiHZBTTIomHx9fZPCeSV1XOaxPYYXsiB2X5c0KzE0vZAErOt/Z2cl8cnHy/XQyn5G7rKwui5od3TMLJkN7qesGcpeBnN+WAYM8P4fMWQryGgNWoanLAnL9E9tgOrKmwU3A8K7KSwMu5cKCRZf2lsLJptrhx5gqgrD6FhcobOsdjxUkSgKPo2TExyqVMVJY3QZ4ZDtDXGpffloWFnRBZXxsGioeD/oR8IFKQqnGSd/5lc5tF5KuZ3eVoe6o53XlWJnIWygESuZbMFi3iO/ZJMsMZmA7c/bkcFrmzWqHf1E2RuAFKn9UWG3XVOPMSFd/QzSdm5JI9F56VNp67+em6DjpO/Oq/DE1SCRK5wgesU7JlZVGC8ifwf1HiGQjbK+rs2bPwSzJU+siyzsBbGfxtcVoIc1xduf0lV7TIB3tG5cnFqFMBR/DYDDmXPSHSkV7p/MOOg7+I6nsnY7wYKZXYOzTCZHhKh+vPfuftHn4k0bBH7jfrNnN8uEGoYjr3+6Ix+E56K+kiqXXMFfDVCbDJAUJgDIZkfVuNLxo0g8HHR90vFcZnZYxEkLFQ96Px/TBRI5J+uZanja1LVdoegvMVljYg44POt6pik7DIQfJeQw8TKMoEuHoHdzHF5i5tw7KPSh3q4VWr9Eo5JjGKDEaAvZHqZDxyzeUOULdGPw7hBNa0mjH67Vc9ea0Cepd4t0vCDDypUp41U489y52C43RZZL5cmVj6woEnkOBHmbVJtTo44hwKKRjwD8b9/tF06xaAi4hb1zvfj1mvghxomkD2vOCW5qZh+XB/QJrBRG2vw8AAA==&quot;"/>
     <we:property name="isFiltersActionButtonVisible" value="true"/>
     <we:property name="isVisualContainerHeaderHidden" value="false"/>
+    <we:property name="pageDisplayName" value="&quot;Profit&quot;"/>
+    <we:property name="pageName" value="&quot;88fa9fda4329748fbd3e&quot;"/>
     <we:property name="reportEmbeddedTime" value="&quot;2024-10-17T08:58:55.548Z&quot;"/>
-    <we:property name="creatorTenantId" value="&quot;3d9c14c6-c3ed-4dae-bb5f-c37cccd3ab49&quot;"/>
-    <we:property name="creatorUserId" value="&quot;10032003CBB44361&quot;"/>
-    <we:property name="creatorSessionId" value="&quot;ce4c724a-e035-4bd1-9637-383196f999cc&quot;"/>
-    <we:property name="artifactViewState" value="&quot;live&quot;"/>
+    <we:property name="reportName" value="&quot;~$Marley International Store Sales analytics (Recovered 996ea20d5a0148f5bb637a7aa3f9b127)&quot;"/>
+    <we:property name="reportState" value="&quot;CONNECTED&quot;"/>
+    <we:property name="reportUrl" value="&quot;/groups/me/reports/8b7c46f9-cc72-46de-b923-037a03e4f333/88fa9fda4329748fbd3e?bookmarkGuid=b371b513-e5b0-461a-ba7d-6864c180b7a4&amp;bookmarkUsage=1&amp;ctid=3d9c14c6-c3ed-4dae-bb5f-c37cccd3ab49&amp;fromEntryPoint=export&quot;"/>
   </we:properties>
   <we:bindings/>
   <we:snapshot xmlns:r="http://schemas.openxmlformats.org/officeDocument/2006/relationships"/>

--- a/Marley international Sales Report 2015.pptx
+++ b/Marley international Sales Report 2015.pptx
@@ -4,9 +4,6 @@
   <p:sldMasterIdLst>
     <p:sldMasterId id="2147483648" r:id="rId1"/>
   </p:sldMasterIdLst>
-  <p:notesMasterIdLst>
-    <p:notesMasterId r:id="rId7"/>
-  </p:notesMasterIdLst>
   <p:sldIdLst>
     <p:sldId id="256" r:id="rId2"/>
     <p:sldId id="257" r:id="rId3"/>
@@ -119,439 +116,6 @@
 </p:presentation>
 </file>
 
-<file path=ppt/notesMasters/notesMaster1.xml><?xml version="1.0" encoding="utf-8"?>
-<p:notesMaster xmlns:a="http://schemas.openxmlformats.org/drawingml/2006/main" xmlns:r="http://schemas.openxmlformats.org/officeDocument/2006/relationships" xmlns:p="http://schemas.openxmlformats.org/presentationml/2006/main">
-  <p:cSld>
-    <p:bg>
-      <p:bgRef idx="1001">
-        <a:schemeClr val="bg1"/>
-      </p:bgRef>
-    </p:bg>
-    <p:spTree>
-      <p:nvGrpSpPr>
-        <p:cNvPr id="1" name=""/>
-        <p:cNvGrpSpPr/>
-        <p:nvPr/>
-      </p:nvGrpSpPr>
-      <p:grpSpPr>
-        <a:xfrm>
-          <a:off x="0" y="0"/>
-          <a:ext cx="0" cy="0"/>
-          <a:chOff x="0" y="0"/>
-          <a:chExt cx="0" cy="0"/>
-        </a:xfrm>
-      </p:grpSpPr>
-      <p:sp>
-        <p:nvSpPr>
-          <p:cNvPr id="2" name="Header Placeholder 1"/>
-          <p:cNvSpPr>
-            <a:spLocks noGrp="1"/>
-          </p:cNvSpPr>
-          <p:nvPr>
-            <p:ph type="hdr" sz="quarter"/>
-          </p:nvPr>
-        </p:nvSpPr>
-        <p:spPr>
-          <a:xfrm>
-            <a:off x="0" y="0"/>
-            <a:ext cx="2971800" cy="458788"/>
-          </a:xfrm>
-          <a:prstGeom prst="rect">
-            <a:avLst/>
-          </a:prstGeom>
-        </p:spPr>
-        <p:txBody>
-          <a:bodyPr vert="horz" lIns="91440" tIns="45720" rIns="91440" bIns="45720" rtlCol="0"/>
-          <a:lstStyle>
-            <a:lvl1pPr algn="l">
-              <a:defRPr sz="1200"/>
-            </a:lvl1pPr>
-          </a:lstStyle>
-          <a:p>
-            <a:endParaRPr lang="en-US"/>
-          </a:p>
-        </p:txBody>
-      </p:sp>
-      <p:sp>
-        <p:nvSpPr>
-          <p:cNvPr id="3" name="Date Placeholder 2"/>
-          <p:cNvSpPr>
-            <a:spLocks noGrp="1"/>
-          </p:cNvSpPr>
-          <p:nvPr>
-            <p:ph type="dt" idx="1"/>
-          </p:nvPr>
-        </p:nvSpPr>
-        <p:spPr>
-          <a:xfrm>
-            <a:off x="3884613" y="0"/>
-            <a:ext cx="2971800" cy="458788"/>
-          </a:xfrm>
-          <a:prstGeom prst="rect">
-            <a:avLst/>
-          </a:prstGeom>
-        </p:spPr>
-        <p:txBody>
-          <a:bodyPr vert="horz" lIns="91440" tIns="45720" rIns="91440" bIns="45720" rtlCol="0"/>
-          <a:lstStyle>
-            <a:lvl1pPr algn="r">
-              <a:defRPr sz="1200"/>
-            </a:lvl1pPr>
-          </a:lstStyle>
-          <a:p>
-            <a:fld id="{3A66E791-6C14-4B19-B242-DE693D0DCDD0}" type="datetimeFigureOut">
-              <a:rPr lang="en-US" smtClean="0"/>
-              <a:t>11/12/2024</a:t>
-            </a:fld>
-            <a:endParaRPr lang="en-US"/>
-          </a:p>
-        </p:txBody>
-      </p:sp>
-      <p:sp>
-        <p:nvSpPr>
-          <p:cNvPr id="4" name="Slide Image Placeholder 3"/>
-          <p:cNvSpPr>
-            <a:spLocks noGrp="1" noRot="1" noChangeAspect="1"/>
-          </p:cNvSpPr>
-          <p:nvPr>
-            <p:ph type="sldImg" idx="2"/>
-          </p:nvPr>
-        </p:nvSpPr>
-        <p:spPr>
-          <a:xfrm>
-            <a:off x="685800" y="1143000"/>
-            <a:ext cx="5486400" cy="3086100"/>
-          </a:xfrm>
-          <a:prstGeom prst="rect">
-            <a:avLst/>
-          </a:prstGeom>
-          <a:noFill/>
-          <a:ln w="12700">
-            <a:solidFill>
-              <a:prstClr val="black"/>
-            </a:solidFill>
-          </a:ln>
-        </p:spPr>
-        <p:txBody>
-          <a:bodyPr vert="horz" lIns="91440" tIns="45720" rIns="91440" bIns="45720" rtlCol="0" anchor="ctr"/>
-          <a:lstStyle/>
-          <a:p>
-            <a:endParaRPr lang="en-US"/>
-          </a:p>
-        </p:txBody>
-      </p:sp>
-      <p:sp>
-        <p:nvSpPr>
-          <p:cNvPr id="5" name="Notes Placeholder 4"/>
-          <p:cNvSpPr>
-            <a:spLocks noGrp="1"/>
-          </p:cNvSpPr>
-          <p:nvPr>
-            <p:ph type="body" sz="quarter" idx="3"/>
-          </p:nvPr>
-        </p:nvSpPr>
-        <p:spPr>
-          <a:xfrm>
-            <a:off x="685800" y="4400550"/>
-            <a:ext cx="5486400" cy="3600450"/>
-          </a:xfrm>
-          <a:prstGeom prst="rect">
-            <a:avLst/>
-          </a:prstGeom>
-        </p:spPr>
-        <p:txBody>
-          <a:bodyPr vert="horz" lIns="91440" tIns="45720" rIns="91440" bIns="45720" rtlCol="0"/>
-          <a:lstStyle/>
-          <a:p>
-            <a:pPr lvl="0"/>
-            <a:r>
-              <a:rPr lang="en-US"/>
-              <a:t>Click to edit Master text styles</a:t>
-            </a:r>
-          </a:p>
-          <a:p>
-            <a:pPr lvl="1"/>
-            <a:r>
-              <a:rPr lang="en-US"/>
-              <a:t>Second level</a:t>
-            </a:r>
-          </a:p>
-          <a:p>
-            <a:pPr lvl="2"/>
-            <a:r>
-              <a:rPr lang="en-US"/>
-              <a:t>Third level</a:t>
-            </a:r>
-          </a:p>
-          <a:p>
-            <a:pPr lvl="3"/>
-            <a:r>
-              <a:rPr lang="en-US"/>
-              <a:t>Fourth level</a:t>
-            </a:r>
-          </a:p>
-          <a:p>
-            <a:pPr lvl="4"/>
-            <a:r>
-              <a:rPr lang="en-US"/>
-              <a:t>Fifth level</a:t>
-            </a:r>
-          </a:p>
-        </p:txBody>
-      </p:sp>
-      <p:sp>
-        <p:nvSpPr>
-          <p:cNvPr id="6" name="Footer Placeholder 5"/>
-          <p:cNvSpPr>
-            <a:spLocks noGrp="1"/>
-          </p:cNvSpPr>
-          <p:nvPr>
-            <p:ph type="ftr" sz="quarter" idx="4"/>
-          </p:nvPr>
-        </p:nvSpPr>
-        <p:spPr>
-          <a:xfrm>
-            <a:off x="0" y="8685213"/>
-            <a:ext cx="2971800" cy="458787"/>
-          </a:xfrm>
-          <a:prstGeom prst="rect">
-            <a:avLst/>
-          </a:prstGeom>
-        </p:spPr>
-        <p:txBody>
-          <a:bodyPr vert="horz" lIns="91440" tIns="45720" rIns="91440" bIns="45720" rtlCol="0" anchor="b"/>
-          <a:lstStyle>
-            <a:lvl1pPr algn="l">
-              <a:defRPr sz="1200"/>
-            </a:lvl1pPr>
-          </a:lstStyle>
-          <a:p>
-            <a:endParaRPr lang="en-US"/>
-          </a:p>
-        </p:txBody>
-      </p:sp>
-      <p:sp>
-        <p:nvSpPr>
-          <p:cNvPr id="7" name="Slide Number Placeholder 6"/>
-          <p:cNvSpPr>
-            <a:spLocks noGrp="1"/>
-          </p:cNvSpPr>
-          <p:nvPr>
-            <p:ph type="sldNum" sz="quarter" idx="5"/>
-          </p:nvPr>
-        </p:nvSpPr>
-        <p:spPr>
-          <a:xfrm>
-            <a:off x="3884613" y="8685213"/>
-            <a:ext cx="2971800" cy="458787"/>
-          </a:xfrm>
-          <a:prstGeom prst="rect">
-            <a:avLst/>
-          </a:prstGeom>
-        </p:spPr>
-        <p:txBody>
-          <a:bodyPr vert="horz" lIns="91440" tIns="45720" rIns="91440" bIns="45720" rtlCol="0" anchor="b"/>
-          <a:lstStyle>
-            <a:lvl1pPr algn="r">
-              <a:defRPr sz="1200"/>
-            </a:lvl1pPr>
-          </a:lstStyle>
-          <a:p>
-            <a:fld id="{2896BEAE-D9C9-43F1-9210-233719EF5A48}" type="slidenum">
-              <a:rPr lang="en-US" smtClean="0"/>
-              <a:t>‹#›</a:t>
-            </a:fld>
-            <a:endParaRPr lang="en-US"/>
-          </a:p>
-        </p:txBody>
-      </p:sp>
-    </p:spTree>
-    <p:extLst>
-      <p:ext uri="{BB962C8B-B14F-4D97-AF65-F5344CB8AC3E}">
-        <p14:creationId xmlns:p14="http://schemas.microsoft.com/office/powerpoint/2010/main" val="3866072531"/>
-      </p:ext>
-    </p:extLst>
-  </p:cSld>
-  <p:clrMap bg1="lt1" tx1="dk1" bg2="lt2" tx2="dk2" accent1="accent1" accent2="accent2" accent3="accent3" accent4="accent4" accent5="accent5" accent6="accent6" hlink="hlink" folHlink="folHlink"/>
-  <p:notesStyle>
-    <a:lvl1pPr marL="0" algn="l" defTabSz="914400" rtl="0" eaLnBrk="1" latinLnBrk="0" hangingPunct="1">
-      <a:defRPr sz="1200" kern="1200">
-        <a:solidFill>
-          <a:schemeClr val="tx1"/>
-        </a:solidFill>
-        <a:latin typeface="+mn-lt"/>
-        <a:ea typeface="+mn-ea"/>
-        <a:cs typeface="+mn-cs"/>
-      </a:defRPr>
-    </a:lvl1pPr>
-    <a:lvl2pPr marL="457200" algn="l" defTabSz="914400" rtl="0" eaLnBrk="1" latinLnBrk="0" hangingPunct="1">
-      <a:defRPr sz="1200" kern="1200">
-        <a:solidFill>
-          <a:schemeClr val="tx1"/>
-        </a:solidFill>
-        <a:latin typeface="+mn-lt"/>
-        <a:ea typeface="+mn-ea"/>
-        <a:cs typeface="+mn-cs"/>
-      </a:defRPr>
-    </a:lvl2pPr>
-    <a:lvl3pPr marL="914400" algn="l" defTabSz="914400" rtl="0" eaLnBrk="1" latinLnBrk="0" hangingPunct="1">
-      <a:defRPr sz="1200" kern="1200">
-        <a:solidFill>
-          <a:schemeClr val="tx1"/>
-        </a:solidFill>
-        <a:latin typeface="+mn-lt"/>
-        <a:ea typeface="+mn-ea"/>
-        <a:cs typeface="+mn-cs"/>
-      </a:defRPr>
-    </a:lvl3pPr>
-    <a:lvl4pPr marL="1371600" algn="l" defTabSz="914400" rtl="0" eaLnBrk="1" latinLnBrk="0" hangingPunct="1">
-      <a:defRPr sz="1200" kern="1200">
-        <a:solidFill>
-          <a:schemeClr val="tx1"/>
-        </a:solidFill>
-        <a:latin typeface="+mn-lt"/>
-        <a:ea typeface="+mn-ea"/>
-        <a:cs typeface="+mn-cs"/>
-      </a:defRPr>
-    </a:lvl4pPr>
-    <a:lvl5pPr marL="1828800" algn="l" defTabSz="914400" rtl="0" eaLnBrk="1" latinLnBrk="0" hangingPunct="1">
-      <a:defRPr sz="1200" kern="1200">
-        <a:solidFill>
-          <a:schemeClr val="tx1"/>
-        </a:solidFill>
-        <a:latin typeface="+mn-lt"/>
-        <a:ea typeface="+mn-ea"/>
-        <a:cs typeface="+mn-cs"/>
-      </a:defRPr>
-    </a:lvl5pPr>
-    <a:lvl6pPr marL="2286000" algn="l" defTabSz="914400" rtl="0" eaLnBrk="1" latinLnBrk="0" hangingPunct="1">
-      <a:defRPr sz="1200" kern="1200">
-        <a:solidFill>
-          <a:schemeClr val="tx1"/>
-        </a:solidFill>
-        <a:latin typeface="+mn-lt"/>
-        <a:ea typeface="+mn-ea"/>
-        <a:cs typeface="+mn-cs"/>
-      </a:defRPr>
-    </a:lvl6pPr>
-    <a:lvl7pPr marL="2743200" algn="l" defTabSz="914400" rtl="0" eaLnBrk="1" latinLnBrk="0" hangingPunct="1">
-      <a:defRPr sz="1200" kern="1200">
-        <a:solidFill>
-          <a:schemeClr val="tx1"/>
-        </a:solidFill>
-        <a:latin typeface="+mn-lt"/>
-        <a:ea typeface="+mn-ea"/>
-        <a:cs typeface="+mn-cs"/>
-      </a:defRPr>
-    </a:lvl7pPr>
-    <a:lvl8pPr marL="3200400" algn="l" defTabSz="914400" rtl="0" eaLnBrk="1" latinLnBrk="0" hangingPunct="1">
-      <a:defRPr sz="1200" kern="1200">
-        <a:solidFill>
-          <a:schemeClr val="tx1"/>
-        </a:solidFill>
-        <a:latin typeface="+mn-lt"/>
-        <a:ea typeface="+mn-ea"/>
-        <a:cs typeface="+mn-cs"/>
-      </a:defRPr>
-    </a:lvl8pPr>
-    <a:lvl9pPr marL="3657600" algn="l" defTabSz="914400" rtl="0" eaLnBrk="1" latinLnBrk="0" hangingPunct="1">
-      <a:defRPr sz="1200" kern="1200">
-        <a:solidFill>
-          <a:schemeClr val="tx1"/>
-        </a:solidFill>
-        <a:latin typeface="+mn-lt"/>
-        <a:ea typeface="+mn-ea"/>
-        <a:cs typeface="+mn-cs"/>
-      </a:defRPr>
-    </a:lvl9pPr>
-  </p:notesStyle>
-</p:notesMaster>
-</file>
-
-<file path=ppt/notesSlides/notesSlide1.xml><?xml version="1.0" encoding="utf-8"?>
-<p:notes xmlns:a="http://schemas.openxmlformats.org/drawingml/2006/main" xmlns:r="http://schemas.openxmlformats.org/officeDocument/2006/relationships" xmlns:p="http://schemas.openxmlformats.org/presentationml/2006/main">
-  <p:cSld>
-    <p:spTree>
-      <p:nvGrpSpPr>
-        <p:cNvPr id="1" name=""/>
-        <p:cNvGrpSpPr/>
-        <p:nvPr/>
-      </p:nvGrpSpPr>
-      <p:grpSpPr>
-        <a:xfrm>
-          <a:off x="0" y="0"/>
-          <a:ext cx="0" cy="0"/>
-          <a:chOff x="0" y="0"/>
-          <a:chExt cx="0" cy="0"/>
-        </a:xfrm>
-      </p:grpSpPr>
-      <p:sp>
-        <p:nvSpPr>
-          <p:cNvPr id="2" name="Slide Image Placeholder 1"/>
-          <p:cNvSpPr>
-            <a:spLocks noGrp="1" noRot="1" noChangeAspect="1"/>
-          </p:cNvSpPr>
-          <p:nvPr>
-            <p:ph type="sldImg"/>
-          </p:nvPr>
-        </p:nvSpPr>
-        <p:spPr/>
-      </p:sp>
-      <p:sp>
-        <p:nvSpPr>
-          <p:cNvPr id="3" name="Notes Placeholder 2"/>
-          <p:cNvSpPr>
-            <a:spLocks noGrp="1"/>
-          </p:cNvSpPr>
-          <p:nvPr>
-            <p:ph type="body" idx="1"/>
-          </p:nvPr>
-        </p:nvSpPr>
-        <p:spPr/>
-        <p:txBody>
-          <a:bodyPr/>
-          <a:lstStyle/>
-          <a:p>
-            <a:endParaRPr lang="en-US"/>
-          </a:p>
-        </p:txBody>
-      </p:sp>
-      <p:sp>
-        <p:nvSpPr>
-          <p:cNvPr id="4" name="Slide Number Placeholder 3"/>
-          <p:cNvSpPr>
-            <a:spLocks noGrp="1"/>
-          </p:cNvSpPr>
-          <p:nvPr>
-            <p:ph type="sldNum" sz="quarter" idx="5"/>
-          </p:nvPr>
-        </p:nvSpPr>
-        <p:spPr/>
-        <p:txBody>
-          <a:bodyPr/>
-          <a:lstStyle/>
-          <a:p>
-            <a:fld id="{2896BEAE-D9C9-43F1-9210-233719EF5A48}" type="slidenum">
-              <a:rPr lang="en-US" smtClean="0"/>
-              <a:t>2</a:t>
-            </a:fld>
-            <a:endParaRPr lang="en-US"/>
-          </a:p>
-        </p:txBody>
-      </p:sp>
-    </p:spTree>
-    <p:extLst>
-      <p:ext uri="{BB962C8B-B14F-4D97-AF65-F5344CB8AC3E}">
-        <p14:creationId xmlns:p14="http://schemas.microsoft.com/office/powerpoint/2010/main" val="3757755740"/>
-      </p:ext>
-    </p:extLst>
-  </p:cSld>
-  <p:clrMapOvr>
-    <a:masterClrMapping/>
-  </p:clrMapOvr>
-</p:notes>
-</file>
-
 <file path=ppt/slideLayouts/slideLayout1.xml><?xml version="1.0" encoding="utf-8"?>
 <p:sldLayout xmlns:a="http://schemas.openxmlformats.org/drawingml/2006/main" xmlns:r="http://schemas.openxmlformats.org/officeDocument/2006/relationships" xmlns:p="http://schemas.openxmlformats.org/presentationml/2006/main" type="title" preserve="1">
   <p:cSld name="Title Slide">
@@ -699,7 +263,7 @@
           <a:p>
             <a:fld id="{44AC4CF2-08F4-40D7-A422-908271C2DD19}" type="datetimeFigureOut">
               <a:rPr lang="en-US" smtClean="0"/>
-              <a:t>11/12/2024</a:t>
+              <a:t>11/18/2024</a:t>
             </a:fld>
             <a:endParaRPr lang="en-US"/>
           </a:p>
@@ -897,7 +461,7 @@
           <a:p>
             <a:fld id="{44AC4CF2-08F4-40D7-A422-908271C2DD19}" type="datetimeFigureOut">
               <a:rPr lang="en-US" smtClean="0"/>
-              <a:t>11/12/2024</a:t>
+              <a:t>11/18/2024</a:t>
             </a:fld>
             <a:endParaRPr lang="en-US"/>
           </a:p>
@@ -1105,7 +669,7 @@
           <a:p>
             <a:fld id="{44AC4CF2-08F4-40D7-A422-908271C2DD19}" type="datetimeFigureOut">
               <a:rPr lang="en-US" smtClean="0"/>
-              <a:t>11/12/2024</a:t>
+              <a:t>11/18/2024</a:t>
             </a:fld>
             <a:endParaRPr lang="en-US"/>
           </a:p>
@@ -1303,7 +867,7 @@
           <a:p>
             <a:fld id="{44AC4CF2-08F4-40D7-A422-908271C2DD19}" type="datetimeFigureOut">
               <a:rPr lang="en-US" smtClean="0"/>
-              <a:t>11/12/2024</a:t>
+              <a:t>11/18/2024</a:t>
             </a:fld>
             <a:endParaRPr lang="en-US"/>
           </a:p>
@@ -1578,7 +1142,7 @@
           <a:p>
             <a:fld id="{44AC4CF2-08F4-40D7-A422-908271C2DD19}" type="datetimeFigureOut">
               <a:rPr lang="en-US" smtClean="0"/>
-              <a:t>11/12/2024</a:t>
+              <a:t>11/18/2024</a:t>
             </a:fld>
             <a:endParaRPr lang="en-US"/>
           </a:p>
@@ -1843,7 +1407,7 @@
           <a:p>
             <a:fld id="{44AC4CF2-08F4-40D7-A422-908271C2DD19}" type="datetimeFigureOut">
               <a:rPr lang="en-US" smtClean="0"/>
-              <a:t>11/12/2024</a:t>
+              <a:t>11/18/2024</a:t>
             </a:fld>
             <a:endParaRPr lang="en-US"/>
           </a:p>
@@ -2255,7 +1819,7 @@
           <a:p>
             <a:fld id="{44AC4CF2-08F4-40D7-A422-908271C2DD19}" type="datetimeFigureOut">
               <a:rPr lang="en-US" smtClean="0"/>
-              <a:t>11/12/2024</a:t>
+              <a:t>11/18/2024</a:t>
             </a:fld>
             <a:endParaRPr lang="en-US"/>
           </a:p>
@@ -2396,7 +1960,7 @@
           <a:p>
             <a:fld id="{44AC4CF2-08F4-40D7-A422-908271C2DD19}" type="datetimeFigureOut">
               <a:rPr lang="en-US" smtClean="0"/>
-              <a:t>11/12/2024</a:t>
+              <a:t>11/18/2024</a:t>
             </a:fld>
             <a:endParaRPr lang="en-US"/>
           </a:p>
@@ -2509,7 +2073,7 @@
           <a:p>
             <a:fld id="{44AC4CF2-08F4-40D7-A422-908271C2DD19}" type="datetimeFigureOut">
               <a:rPr lang="en-US" smtClean="0"/>
-              <a:t>11/12/2024</a:t>
+              <a:t>11/18/2024</a:t>
             </a:fld>
             <a:endParaRPr lang="en-US"/>
           </a:p>
@@ -2820,7 +2384,7 @@
           <a:p>
             <a:fld id="{44AC4CF2-08F4-40D7-A422-908271C2DD19}" type="datetimeFigureOut">
               <a:rPr lang="en-US" smtClean="0"/>
-              <a:t>11/12/2024</a:t>
+              <a:t>11/18/2024</a:t>
             </a:fld>
             <a:endParaRPr lang="en-US"/>
           </a:p>
@@ -3108,7 +2672,7 @@
           <a:p>
             <a:fld id="{44AC4CF2-08F4-40D7-A422-908271C2DD19}" type="datetimeFigureOut">
               <a:rPr lang="en-US" smtClean="0"/>
-              <a:t>11/12/2024</a:t>
+              <a:t>11/18/2024</a:t>
             </a:fld>
             <a:endParaRPr lang="en-US"/>
           </a:p>
@@ -3349,7 +2913,7 @@
           <a:p>
             <a:fld id="{44AC4CF2-08F4-40D7-A422-908271C2DD19}" type="datetimeFigureOut">
               <a:rPr lang="en-US" smtClean="0"/>
-              <a:t>11/12/2024</a:t>
+              <a:t>11/18/2024</a:t>
             </a:fld>
             <a:endParaRPr lang="en-US"/>
           </a:p>
@@ -3868,7 +3432,7 @@
                 <a:latin typeface="Times New Roman" panose="02020603050405020304" pitchFamily="18" charset="0"/>
                 <a:cs typeface="Times New Roman" panose="02020603050405020304" pitchFamily="18" charset="0"/>
               </a:rPr>
-              <a:t>We shall begin with analyzing the Sales and Revenue.</a:t>
+              <a:t>We shall begin with analyzing the profits and sales.</a:t>
             </a:r>
           </a:p>
         </p:txBody>
@@ -4029,7 +3593,13 @@
           <a:p>
             <a:r>
               <a:rPr lang="en-US" sz="1800" dirty="0"/>
-              <a:t>Technology produces the most sales in the months of January, February, March and June. In the months it didn’t lead in sales, Office supplies led in April and Furniture in May. As the year grows on the sales the company generates grows in a positive direction.</a:t>
+              <a:t>Technology produces the most sales per month other than in the Month of May where Furniture had the most sales.</a:t>
+            </a:r>
+          </a:p>
+          <a:p>
+            <a:r>
+              <a:rPr lang="en-US" sz="1800" dirty="0"/>
+              <a:t>As the year grows on the sales the company generates grows on a positive basis.</a:t>
             </a:r>
           </a:p>
         </p:txBody>
@@ -4051,18 +3621,18 @@
               <p:nvPr>
                 <p:extLst>
                   <p:ext uri="{D42A27DB-BD31-4B8C-83A1-F6EECF244321}">
-                    <p14:modId xmlns:p14="http://schemas.microsoft.com/office/powerpoint/2010/main" val="1024184899"/>
+                    <p14:modId xmlns:p14="http://schemas.microsoft.com/office/powerpoint/2010/main" val="585448960"/>
                   </p:ext>
                 </p:extLst>
               </p:nvPr>
             </p:nvGraphicFramePr>
             <p:xfrm>
-              <a:off x="1" y="571500"/>
-              <a:ext cx="12192000" cy="3979342"/>
+              <a:off x="542925" y="571500"/>
+              <a:ext cx="11649075" cy="3979342"/>
             </p:xfrm>
             <a:graphic>
               <a:graphicData uri="http://schemas.microsoft.com/office/webextensions/webextension/2010/11">
-                <we:webextensionref xmlns:we="http://schemas.microsoft.com/office/webextensions/webextension/2010/11" xmlns:r="http://schemas.openxmlformats.org/officeDocument/2006/relationships" r:id="rId3"/>
+                <we:webextensionref xmlns:we="http://schemas.microsoft.com/office/webextensions/webextension/2010/11" xmlns:r="http://schemas.openxmlformats.org/officeDocument/2006/relationships" r:id="rId2"/>
               </a:graphicData>
             </a:graphic>
           </p:graphicFrame>
@@ -4083,15 +3653,15 @@
               <p:nvPr/>
             </p:nvPicPr>
             <p:blipFill>
-              <a:blip r:embed="rId4"/>
+              <a:blip r:embed="rId3"/>
               <a:stretch>
                 <a:fillRect/>
               </a:stretch>
             </p:blipFill>
             <p:spPr>
               <a:xfrm>
-                <a:off x="1" y="571500"/>
-                <a:ext cx="12192000" cy="3979342"/>
+                <a:off x="542925" y="571500"/>
+                <a:ext cx="11649075" cy="3979342"/>
               </a:xfrm>
               <a:prstGeom prst="rect">
                 <a:avLst/>
@@ -4125,7 +3695,7 @@
         </p:spPr>
         <p:txBody>
           <a:bodyPr vert="horz" lIns="91440" tIns="45720" rIns="91440" bIns="45720" rtlCol="0">
-            <a:normAutofit lnSpcReduction="10000"/>
+            <a:normAutofit/>
           </a:bodyPr>
           <a:lstStyle>
             <a:lvl1pPr marL="228600" indent="-228600" algn="l" defTabSz="914400" rtl="0" eaLnBrk="1" latinLnBrk="0" hangingPunct="1">
@@ -4315,7 +3885,21 @@
                 <a:latin typeface="Times New Roman" panose="02020603050405020304" pitchFamily="18" charset="0"/>
                 <a:cs typeface="Times New Roman" panose="02020603050405020304" pitchFamily="18" charset="0"/>
               </a:rPr>
-              <a:t>The State of California is the City producing our best sales with a significant margin with 288310.61$ being generated from that city alone.</a:t>
+              <a:t>The State of </a:t>
+            </a:r>
+            <a:r>
+              <a:rPr lang="en-US" sz="1800" dirty="0" err="1">
+                <a:latin typeface="Times New Roman" panose="02020603050405020304" pitchFamily="18" charset="0"/>
+                <a:cs typeface="Times New Roman" panose="02020603050405020304" pitchFamily="18" charset="0"/>
+              </a:rPr>
+              <a:t>Carlifornia</a:t>
+            </a:r>
+            <a:r>
+              <a:rPr lang="en-US" sz="1800" dirty="0">
+                <a:latin typeface="Times New Roman" panose="02020603050405020304" pitchFamily="18" charset="0"/>
+                <a:cs typeface="Times New Roman" panose="02020603050405020304" pitchFamily="18" charset="0"/>
+              </a:rPr>
+              <a:t> is the City producing our best sales by a significant margin.</a:t>
             </a:r>
           </a:p>
           <a:p>
@@ -4493,7 +4077,7 @@
         <p:spPr>
           <a:xfrm>
             <a:off x="6096000" y="4210050"/>
-            <a:ext cx="6096000" cy="2308324"/>
+            <a:ext cx="6096000" cy="1200329"/>
           </a:xfrm>
           <a:prstGeom prst="rect">
             <a:avLst/>
@@ -4523,13 +4107,10 @@
               <a:buFont typeface="Arial" panose="020B0604020202020204" pitchFamily="34" charset="0"/>
               <a:buChar char="•"/>
             </a:pPr>
-            <a:r>
-              <a:rPr lang="en-US" dirty="0">
-                <a:latin typeface="Times New Roman" panose="02020603050405020304" pitchFamily="18" charset="0"/>
-                <a:cs typeface="Times New Roman" panose="02020603050405020304" pitchFamily="18" charset="0"/>
-              </a:rPr>
-              <a:t>Within this period between January and June we have observed an average profit margin of 0.52 with data indicating a positive growth. After reviewing the highlighted areas, we can review and optimize the strategy with certain tweaks to ensure greater profitability.  </a:t>
-            </a:r>
+            <a:endParaRPr lang="en-US" dirty="0">
+              <a:latin typeface="Times New Roman" panose="02020603050405020304" pitchFamily="18" charset="0"/>
+              <a:cs typeface="Times New Roman" panose="02020603050405020304" pitchFamily="18" charset="0"/>
+            </a:endParaRPr>
           </a:p>
         </p:txBody>
       </p:sp>
@@ -4540,7 +4121,7 @@
               <p:cNvPr id="3" name="Add-in 2">
                 <a:extLst>
                   <a:ext uri="{FF2B5EF4-FFF2-40B4-BE49-F238E27FC236}">
-                    <a16:creationId xmlns:a16="http://schemas.microsoft.com/office/drawing/2014/main" id="{B4D9D4BF-848C-181E-E2F6-C1BF3EDBC9A1}"/>
+                    <a16:creationId xmlns:a16="http://schemas.microsoft.com/office/drawing/2014/main" id="{90025674-B4B0-5A63-F6AF-70386FDEA29F}"/>
                   </a:ext>
                 </a:extLst>
               </p:cNvPr>
@@ -4550,14 +4131,14 @@
               <p:nvPr>
                 <p:extLst>
                   <p:ext uri="{D42A27DB-BD31-4B8C-83A1-F6EECF244321}">
-                    <p14:modId xmlns:p14="http://schemas.microsoft.com/office/powerpoint/2010/main" val="2794706556"/>
+                    <p14:modId xmlns:p14="http://schemas.microsoft.com/office/powerpoint/2010/main" val="2366313771"/>
                   </p:ext>
                 </p:extLst>
               </p:nvPr>
             </p:nvGraphicFramePr>
             <p:xfrm>
-              <a:off x="0" y="315912"/>
-              <a:ext cx="12192000" cy="3924300"/>
+              <a:off x="0" y="346074"/>
+              <a:ext cx="12192000" cy="3894138"/>
             </p:xfrm>
             <a:graphic>
               <a:graphicData uri="http://schemas.microsoft.com/office/webextensions/webextension/2010/11">
@@ -4572,7 +4153,7 @@
               <p:cNvPr id="3" name="Add-in 2">
                 <a:extLst>
                   <a:ext uri="{FF2B5EF4-FFF2-40B4-BE49-F238E27FC236}">
-                    <a16:creationId xmlns:a16="http://schemas.microsoft.com/office/drawing/2014/main" id="{B4D9D4BF-848C-181E-E2F6-C1BF3EDBC9A1}"/>
+                    <a16:creationId xmlns:a16="http://schemas.microsoft.com/office/drawing/2014/main" id="{90025674-B4B0-5A63-F6AF-70386FDEA29F}"/>
                   </a:ext>
                 </a:extLst>
               </p:cNvPr>
@@ -4589,8 +4170,8 @@
             </p:blipFill>
             <p:spPr>
               <a:xfrm>
-                <a:off x="0" y="315912"/>
-                <a:ext cx="12192000" cy="3924300"/>
+                <a:off x="0" y="346074"/>
+                <a:ext cx="12192000" cy="3894138"/>
               </a:xfrm>
               <a:prstGeom prst="rect">
                 <a:avLst/>
@@ -4659,18 +4240,6 @@
           <a:p>
             <a:pPr algn="ctr"/>
             <a:r>
-              <a:rPr lang="en-US" sz="2400">
-                <a:solidFill>
-                  <a:schemeClr val="tx1">
-                    <a:lumMod val="65000"/>
-                    <a:lumOff val="35000"/>
-                  </a:schemeClr>
-                </a:solidFill>
-                <a:latin typeface="Georgia" panose="02040502050405020303" pitchFamily="18" charset="0"/>
-              </a:rPr>
-              <a:t>Most Preferred </a:t>
-            </a:r>
-            <a:r>
               <a:rPr lang="en-US" sz="2400" dirty="0">
                 <a:solidFill>
                   <a:schemeClr val="tx1">
@@ -4680,7 +4249,31 @@
                 </a:solidFill>
                 <a:latin typeface="Georgia" panose="02040502050405020303" pitchFamily="18" charset="0"/>
               </a:rPr>
-              <a:t>Shipping Methods</a:t>
+              <a:t>Most </a:t>
+            </a:r>
+            <a:r>
+              <a:rPr lang="en-US" sz="2400" dirty="0" err="1">
+                <a:solidFill>
+                  <a:schemeClr val="tx1">
+                    <a:lumMod val="65000"/>
+                    <a:lumOff val="35000"/>
+                  </a:schemeClr>
+                </a:solidFill>
+                <a:latin typeface="Georgia" panose="02040502050405020303" pitchFamily="18" charset="0"/>
+              </a:rPr>
+              <a:t>Prefered</a:t>
+            </a:r>
+            <a:r>
+              <a:rPr lang="en-US" sz="2400" dirty="0">
+                <a:solidFill>
+                  <a:schemeClr val="tx1">
+                    <a:lumMod val="65000"/>
+                    <a:lumOff val="35000"/>
+                  </a:schemeClr>
+                </a:solidFill>
+                <a:latin typeface="Georgia" panose="02040502050405020303" pitchFamily="18" charset="0"/>
+              </a:rPr>
+              <a:t> Shipping Methods</a:t>
             </a:r>
           </a:p>
         </p:txBody>
@@ -5215,301 +4808,6 @@
 </a:theme>
 </file>
 
-<file path=ppt/theme/theme2.xml><?xml version="1.0" encoding="utf-8"?>
-<a:theme xmlns:a="http://schemas.openxmlformats.org/drawingml/2006/main" name="Office Theme">
-  <a:themeElements>
-    <a:clrScheme name="Office">
-      <a:dk1>
-        <a:sysClr val="windowText" lastClr="000000"/>
-      </a:dk1>
-      <a:lt1>
-        <a:sysClr val="window" lastClr="FFFFFF"/>
-      </a:lt1>
-      <a:dk2>
-        <a:srgbClr val="44546A"/>
-      </a:dk2>
-      <a:lt2>
-        <a:srgbClr val="E7E6E6"/>
-      </a:lt2>
-      <a:accent1>
-        <a:srgbClr val="4472C4"/>
-      </a:accent1>
-      <a:accent2>
-        <a:srgbClr val="ED7D31"/>
-      </a:accent2>
-      <a:accent3>
-        <a:srgbClr val="A5A5A5"/>
-      </a:accent3>
-      <a:accent4>
-        <a:srgbClr val="FFC000"/>
-      </a:accent4>
-      <a:accent5>
-        <a:srgbClr val="5B9BD5"/>
-      </a:accent5>
-      <a:accent6>
-        <a:srgbClr val="70AD47"/>
-      </a:accent6>
-      <a:hlink>
-        <a:srgbClr val="0563C1"/>
-      </a:hlink>
-      <a:folHlink>
-        <a:srgbClr val="954F72"/>
-      </a:folHlink>
-    </a:clrScheme>
-    <a:fontScheme name="Office">
-      <a:majorFont>
-        <a:latin typeface="Calibri Light" panose="020F0302020204030204"/>
-        <a:ea typeface=""/>
-        <a:cs typeface=""/>
-        <a:font script="Jpan" typeface="游ゴシック Light"/>
-        <a:font script="Hang" typeface="맑은 고딕"/>
-        <a:font script="Hans" typeface="等线 Light"/>
-        <a:font script="Hant" typeface="新細明體"/>
-        <a:font script="Arab" typeface="Times New Roman"/>
-        <a:font script="Hebr" typeface="Times New Roman"/>
-        <a:font script="Thai" typeface="Angsana New"/>
-        <a:font script="Ethi" typeface="Nyala"/>
-        <a:font script="Beng" typeface="Vrinda"/>
-        <a:font script="Gujr" typeface="Shruti"/>
-        <a:font script="Khmr" typeface="MoolBoran"/>
-        <a:font script="Knda" typeface="Tunga"/>
-        <a:font script="Guru" typeface="Raavi"/>
-        <a:font script="Cans" typeface="Euphemia"/>
-        <a:font script="Cher" typeface="Plantagenet Cherokee"/>
-        <a:font script="Yiii" typeface="Microsoft Yi Baiti"/>
-        <a:font script="Tibt" typeface="Microsoft Himalaya"/>
-        <a:font script="Thaa" typeface="MV Boli"/>
-        <a:font script="Deva" typeface="Mangal"/>
-        <a:font script="Telu" typeface="Gautami"/>
-        <a:font script="Taml" typeface="Latha"/>
-        <a:font script="Syrc" typeface="Estrangelo Edessa"/>
-        <a:font script="Orya" typeface="Kalinga"/>
-        <a:font script="Mlym" typeface="Kartika"/>
-        <a:font script="Laoo" typeface="DokChampa"/>
-        <a:font script="Sinh" typeface="Iskoola Pota"/>
-        <a:font script="Mong" typeface="Mongolian Baiti"/>
-        <a:font script="Viet" typeface="Times New Roman"/>
-        <a:font script="Uigh" typeface="Microsoft Uighur"/>
-        <a:font script="Geor" typeface="Sylfaen"/>
-        <a:font script="Armn" typeface="Arial"/>
-        <a:font script="Bugi" typeface="Leelawadee UI"/>
-        <a:font script="Bopo" typeface="Microsoft JhengHei"/>
-        <a:font script="Java" typeface="Javanese Text"/>
-        <a:font script="Lisu" typeface="Segoe UI"/>
-        <a:font script="Mymr" typeface="Myanmar Text"/>
-        <a:font script="Nkoo" typeface="Ebrima"/>
-        <a:font script="Olck" typeface="Nirmala UI"/>
-        <a:font script="Osma" typeface="Ebrima"/>
-        <a:font script="Phag" typeface="Phagspa"/>
-        <a:font script="Syrn" typeface="Estrangelo Edessa"/>
-        <a:font script="Syrj" typeface="Estrangelo Edessa"/>
-        <a:font script="Syre" typeface="Estrangelo Edessa"/>
-        <a:font script="Sora" typeface="Nirmala UI"/>
-        <a:font script="Tale" typeface="Microsoft Tai Le"/>
-        <a:font script="Talu" typeface="Microsoft New Tai Lue"/>
-        <a:font script="Tfng" typeface="Ebrima"/>
-      </a:majorFont>
-      <a:minorFont>
-        <a:latin typeface="Calibri" panose="020F0502020204030204"/>
-        <a:ea typeface=""/>
-        <a:cs typeface=""/>
-        <a:font script="Jpan" typeface="游ゴシック"/>
-        <a:font script="Hang" typeface="맑은 고딕"/>
-        <a:font script="Hans" typeface="等线"/>
-        <a:font script="Hant" typeface="新細明體"/>
-        <a:font script="Arab" typeface="Arial"/>
-        <a:font script="Hebr" typeface="Arial"/>
-        <a:font script="Thai" typeface="Cordia New"/>
-        <a:font script="Ethi" typeface="Nyala"/>
-        <a:font script="Beng" typeface="Vrinda"/>
-        <a:font script="Gujr" typeface="Shruti"/>
-        <a:font script="Khmr" typeface="DaunPenh"/>
-        <a:font script="Knda" typeface="Tunga"/>
-        <a:font script="Guru" typeface="Raavi"/>
-        <a:font script="Cans" typeface="Euphemia"/>
-        <a:font script="Cher" typeface="Plantagenet Cherokee"/>
-        <a:font script="Yiii" typeface="Microsoft Yi Baiti"/>
-        <a:font script="Tibt" typeface="Microsoft Himalaya"/>
-        <a:font script="Thaa" typeface="MV Boli"/>
-        <a:font script="Deva" typeface="Mangal"/>
-        <a:font script="Telu" typeface="Gautami"/>
-        <a:font script="Taml" typeface="Latha"/>
-        <a:font script="Syrc" typeface="Estrangelo Edessa"/>
-        <a:font script="Orya" typeface="Kalinga"/>
-        <a:font script="Mlym" typeface="Kartika"/>
-        <a:font script="Laoo" typeface="DokChampa"/>
-        <a:font script="Sinh" typeface="Iskoola Pota"/>
-        <a:font script="Mong" typeface="Mongolian Baiti"/>
-        <a:font script="Viet" typeface="Arial"/>
-        <a:font script="Uigh" typeface="Microsoft Uighur"/>
-        <a:font script="Geor" typeface="Sylfaen"/>
-        <a:font script="Armn" typeface="Arial"/>
-        <a:font script="Bugi" typeface="Leelawadee UI"/>
-        <a:font script="Bopo" typeface="Microsoft JhengHei"/>
-        <a:font script="Java" typeface="Javanese Text"/>
-        <a:font script="Lisu" typeface="Segoe UI"/>
-        <a:font script="Mymr" typeface="Myanmar Text"/>
-        <a:font script="Nkoo" typeface="Ebrima"/>
-        <a:font script="Olck" typeface="Nirmala UI"/>
-        <a:font script="Osma" typeface="Ebrima"/>
-        <a:font script="Phag" typeface="Phagspa"/>
-        <a:font script="Syrn" typeface="Estrangelo Edessa"/>
-        <a:font script="Syrj" typeface="Estrangelo Edessa"/>
-        <a:font script="Syre" typeface="Estrangelo Edessa"/>
-        <a:font script="Sora" typeface="Nirmala UI"/>
-        <a:font script="Tale" typeface="Microsoft Tai Le"/>
-        <a:font script="Talu" typeface="Microsoft New Tai Lue"/>
-        <a:font script="Tfng" typeface="Ebrima"/>
-      </a:minorFont>
-    </a:fontScheme>
-    <a:fmtScheme name="Office">
-      <a:fillStyleLst>
-        <a:solidFill>
-          <a:schemeClr val="phClr"/>
-        </a:solidFill>
-        <a:gradFill rotWithShape="1">
-          <a:gsLst>
-            <a:gs pos="0">
-              <a:schemeClr val="phClr">
-                <a:lumMod val="110000"/>
-                <a:satMod val="105000"/>
-                <a:tint val="67000"/>
-              </a:schemeClr>
-            </a:gs>
-            <a:gs pos="50000">
-              <a:schemeClr val="phClr">
-                <a:lumMod val="105000"/>
-                <a:satMod val="103000"/>
-                <a:tint val="73000"/>
-              </a:schemeClr>
-            </a:gs>
-            <a:gs pos="100000">
-              <a:schemeClr val="phClr">
-                <a:lumMod val="105000"/>
-                <a:satMod val="109000"/>
-                <a:tint val="81000"/>
-              </a:schemeClr>
-            </a:gs>
-          </a:gsLst>
-          <a:lin ang="5400000" scaled="0"/>
-        </a:gradFill>
-        <a:gradFill rotWithShape="1">
-          <a:gsLst>
-            <a:gs pos="0">
-              <a:schemeClr val="phClr">
-                <a:satMod val="103000"/>
-                <a:lumMod val="102000"/>
-                <a:tint val="94000"/>
-              </a:schemeClr>
-            </a:gs>
-            <a:gs pos="50000">
-              <a:schemeClr val="phClr">
-                <a:satMod val="110000"/>
-                <a:lumMod val="100000"/>
-                <a:shade val="100000"/>
-              </a:schemeClr>
-            </a:gs>
-            <a:gs pos="100000">
-              <a:schemeClr val="phClr">
-                <a:lumMod val="99000"/>
-                <a:satMod val="120000"/>
-                <a:shade val="78000"/>
-              </a:schemeClr>
-            </a:gs>
-          </a:gsLst>
-          <a:lin ang="5400000" scaled="0"/>
-        </a:gradFill>
-      </a:fillStyleLst>
-      <a:lnStyleLst>
-        <a:ln w="6350" cap="flat" cmpd="sng" algn="ctr">
-          <a:solidFill>
-            <a:schemeClr val="phClr"/>
-          </a:solidFill>
-          <a:prstDash val="solid"/>
-          <a:miter lim="800000"/>
-        </a:ln>
-        <a:ln w="12700" cap="flat" cmpd="sng" algn="ctr">
-          <a:solidFill>
-            <a:schemeClr val="phClr"/>
-          </a:solidFill>
-          <a:prstDash val="solid"/>
-          <a:miter lim="800000"/>
-        </a:ln>
-        <a:ln w="19050" cap="flat" cmpd="sng" algn="ctr">
-          <a:solidFill>
-            <a:schemeClr val="phClr"/>
-          </a:solidFill>
-          <a:prstDash val="solid"/>
-          <a:miter lim="800000"/>
-        </a:ln>
-      </a:lnStyleLst>
-      <a:effectStyleLst>
-        <a:effectStyle>
-          <a:effectLst/>
-        </a:effectStyle>
-        <a:effectStyle>
-          <a:effectLst/>
-        </a:effectStyle>
-        <a:effectStyle>
-          <a:effectLst>
-            <a:outerShdw blurRad="57150" dist="19050" dir="5400000" algn="ctr" rotWithShape="0">
-              <a:srgbClr val="000000">
-                <a:alpha val="63000"/>
-              </a:srgbClr>
-            </a:outerShdw>
-          </a:effectLst>
-        </a:effectStyle>
-      </a:effectStyleLst>
-      <a:bgFillStyleLst>
-        <a:solidFill>
-          <a:schemeClr val="phClr"/>
-        </a:solidFill>
-        <a:solidFill>
-          <a:schemeClr val="phClr">
-            <a:tint val="95000"/>
-            <a:satMod val="170000"/>
-          </a:schemeClr>
-        </a:solidFill>
-        <a:gradFill rotWithShape="1">
-          <a:gsLst>
-            <a:gs pos="0">
-              <a:schemeClr val="phClr">
-                <a:tint val="93000"/>
-                <a:satMod val="150000"/>
-                <a:shade val="98000"/>
-                <a:lumMod val="102000"/>
-              </a:schemeClr>
-            </a:gs>
-            <a:gs pos="50000">
-              <a:schemeClr val="phClr">
-                <a:tint val="98000"/>
-                <a:satMod val="130000"/>
-                <a:shade val="90000"/>
-                <a:lumMod val="103000"/>
-              </a:schemeClr>
-            </a:gs>
-            <a:gs pos="100000">
-              <a:schemeClr val="phClr">
-                <a:shade val="63000"/>
-                <a:satMod val="120000"/>
-              </a:schemeClr>
-            </a:gs>
-          </a:gsLst>
-          <a:lin ang="5400000" scaled="0"/>
-        </a:gradFill>
-      </a:bgFillStyleLst>
-    </a:fmtScheme>
-  </a:themeElements>
-  <a:objectDefaults/>
-  <a:extraClrSchemeLst/>
-  <a:extLst>
-    <a:ext uri="{05A4C25C-085E-4340-85A3-A5531E510DB2}">
-      <thm15:themeFamily xmlns:thm15="http://schemas.microsoft.com/office/thememl/2012/main" name="Office Theme" id="{62F939B6-93AF-4DB8-9C6B-D6C7DFDC589F}" vid="{4A3C46E8-61CC-4603-A589-7422A47A8E4A}"/>
-    </a:ext>
-  </a:extLst>
-</a:theme>
-</file>
-
 <file path=ppt/webextensions/webextension1.xml><?xml version="1.0" encoding="utf-8"?>
 <we:webextension xmlns:we="http://schemas.microsoft.com/office/webextensions/webextension/2010/11" id="{5B1E6BA7-8D7C-4333-8A0B-34BED33A29F9}">
   <we:reference id="wa200003233" version="2.0.0.3" store="en-US" storeType="OMEX"/>
@@ -5519,7 +4817,7 @@
   <we:properties>
     <we:property name="artifactViewState" value="&quot;live&quot;"/>
     <we:property name="backgroundColor" value="&quot;#FFFFFF&quot;"/>
-    <we:property name="bookmark" value="&quot;H4sIAAAAAAAAA+2YTVPbMBCG/0pG57Rj2fEXNwh0eqAtQxgunRzW0toROJZHlgMpk/9eSQ4BmhRoB4aW5JT41Ub77upZj50bwkVTlzD/ClMke+RAysspqMseJX1SdVrmx0FIM86yJEpp6PssBbMqay1k1ZC9G6JBFajPRdNCaTcy4vdxn0BZnkBhr3IoG+yTGlUjKyjFD+yCzZJWLS76BK/rUiqwW440aLTbzky4uTYW6MfAZASmxQxHyHSnRgn4NM/CIKW5l0Ds8dTabroA52xjiN3apR/KSoOoTBqr+YMgY0lGQxOeIQ0SDAOr56LUy5BsfnRdK1OdqXle2+bs8xlUDDlxJShsOsc3ZL8oFBagl5dHDxaHsmynG/SRbBXDU8zdUqWFnpsc3xS3+RemTSdKmiY6dQQlduKntlq2xLOXE3k1VGh6yK3QX1kdGqmQSjAo19x+FqhAscn8GGdYrhtbra8v3Vo6ByW683NF/EVxSwZXG5EH9brA3qFlwwbfc0Ss2LsT7PKyDvLFHPGErLdlbJRGVEW5JPEOirOuW6XhYjgBpS3q2YVhyhKwuKXQGLu4x9myt3OHxrtv5nhhVZ5wngDnWZ4y30c/hzh/cl4eg/BFpsLePHpS9Yw2E2YyN5x9//+Z3icxZc7LRlClTXzQIXko1O1t0+//Yvutal2MnzNMrwVFx3DqRZxHaYoAlMbg+YEfvznD5itvme6N2uzDqhc7jLce499w0ZGc0DCiKTJglPo0G3gxH/wzJO8o3lH8CBMdweEg8vMohohGlCVxmEU82pbn75cwdIqF/dWO29fhdtXejtaY+x7jlHpB7KXomSfhmG0Lre/+BeePJ6gWM6nPICvxWa+Lp/Kq2Z5XRTcvd00hU1SF8ylb3dTA8AQqdO2ou7QCXZyBDipuT8B9V/bzWJjp6g7gHMrW+nZ/LhGXxmX7CaIZ0/nUEgAA&quot;"/>
+    <we:property name="bookmark" value="&quot;H4sIAAAAAAAAA+2YTVPbMBCG/0pG57RjOYk/uEGg0wNtGdLh0slhLa0dgWJ5ZDmQMvnvlWQToMkUysDAQE6x3t1oP/Ss7eSacFFXEpbfYY5kjxwodTEHfdGjpE/KVmMxD2OI4zBNaMyTNOVRbq2qMkKVNdm7JgZ0geZM1A1It5EVf037BKQ8gcKtcpA19kmFulYlSPEbW2drMrrBVZ/gVSWVBrflxIBBt+3Cutu1TYF+HtiIwIxY4ASZadUogZDm2WiQ0jxIIA546tKuWwef2VYXt7UPP1alAVHaME4Lh4OMJRkdWfcM6SDB0cDpuZCmc8mWR1eVttXZmpeVa84+X0DJkBNfgsa6zfia7BeFxgJMtzy6Zxwr2cy36BPVaIanmHtTaYRZ2hg/NHfxV7ZNJ1rZJnp1AhJb8UtTdi0J3HKmLscabQ+5E/rrVMdWKpQWDORGtl8FatBstjzGBcrNxNb2TdNNSmegRXt+vognFNcxuN6I3KvXO/YOHRvO+U5GxIm9W8GZuzrIN3vEM7LZlqlValEWsiPxFoqfbbek5WI8A20c6tm5ZcoRsLqh0CZ2foezrrdLj8a7b+Z05VR7WwgYpzQYxEGKAbfjxXbz8k6O+L/npRILZX5CJvFRA3OqLuuPNCyjYRTmUQwRjShL4lEW8eijDMtzJHSKhfvWE8BkPvrWW7lyoQ7am/ah0DcvFmH/r0Rfq92r6WMeN8/a3pbWhI4imiIDRmlIs2EQ8+GDtL40AvaSN8z01sX/i8c3Pzo7bl+IiZbgNIg4j9IUASiNIQgHYfxmCJ402acdxTuKH+CiJZkn3L5ac57lKQtDDHOI81cn2f9G7ynds9pCWER3GO8w3gaFY9hjfNszMkdd+Ld01Zi6AoYnUKLPomo3E+j9LCtQcndC/lq7z2NhoW8P6Axk487G/7lEfBgf7Q/iiZxF1BIAAA==&quot;"/>
     <we:property name="creatorSessionId" value="&quot;d6dbd6c1-4f3f-4524-82ce-468bc45fa0db&quot;"/>
     <we:property name="creatorTenantId" value="&quot;3d9c14c6-c3ed-4dae-bb5f-c37cccd3ab49&quot;"/>
     <we:property name="creatorUserId" value="&quot;10032003CBB44361&quot;"/>
@@ -5542,29 +4840,29 @@
 </file>
 
 <file path=ppt/webextensions/webextension2.xml><?xml version="1.0" encoding="utf-8"?>
-<we:webextension xmlns:we="http://schemas.microsoft.com/office/webextensions/webextension/2010/11" id="{891A3F35-1F1E-44C1-8B61-DE71BB824F93}">
+<we:webextension xmlns:we="http://schemas.microsoft.com/office/webextensions/webextension/2010/11" id="{A83BDDDA-09D5-4D16-91EB-0A486BE9B5E8}">
   <we:reference id="wa200003233" version="2.0.0.3" store="en-US" storeType="OMEX"/>
   <we:alternateReferences>
     <we:reference id="WA200003233" version="2.0.0.3" store="" storeType="OMEX"/>
   </we:alternateReferences>
   <we:properties>
-    <we:property name="artifactViewState" value="&quot;live&quot;"/>
+    <we:property name="reportUrl" value="&quot;/groups/me/reports/8b7c46f9-cc72-46de-b923-037a03e4f333/88fa9fda4329748fbd3e?bookmarkGuid=045d28c1-8ccd-496a-9024-6564e92458e5&amp;bookmarkUsage=1&amp;ctid=3d9c14c6-c3ed-4dae-bb5f-c37cccd3ab49&amp;fromEntryPoint=export&quot;"/>
+    <we:property name="reportName" value="&quot;~$Marley International Store Sales analytics (Recovered 996ea20d5a0148f5bb637a7aa3f9b127)&quot;"/>
+    <we:property name="reportState" value="&quot;CONNECTED&quot;"/>
+    <we:property name="embedUrl" value="&quot;/reportEmbed?reportId=8b7c46f9-cc72-46de-b923-037a03e4f333&amp;config=eyJjbHVzdGVyVXJsIjoiaHR0cHM6Ly9XQUJJLVdFU1QtRVVST1BFLUItUFJJTUFSWS1yZWRpcmVjdC5hbmFseXNpcy53aW5kb3dzLm5ldCIsImVtYmVkRmVhdHVyZXMiOnsidXNhZ2VNZXRyaWNzVk5leHQiOnRydWV9fQ%3D%3D&amp;disableSensitivityBanner=true&quot;"/>
+    <we:property name="pageName" value="&quot;88fa9fda4329748fbd3e&quot;"/>
+    <we:property name="pageDisplayName" value="&quot;Profit&quot;"/>
+    <we:property name="datasetId" value="&quot;8caa287d-2856-4279-b7e6-4eec2e32df16&quot;"/>
     <we:property name="backgroundColor" value="&quot;#FFFFFF&quot;"/>
-    <we:property name="bookmark" value="&quot;H4sIAAAAAAAAA+2XTVPbMBCG/0pGZ7fjD8WxuUGankrLkA6XDoe1tDICx/LIMiVl8t+7kkMLlJYZSqc5JJdYq7X23VePv26Z1H3XwPojrJAdsCNjrlZgryYJi1g7xvJclLMqKadTBEwxB0hnNGs6p03bs4Nb5sDW6M50P0DjF6Lgl/OIQdOcQO1HCpoeI9ah7U0Ljf6GYzJNOTvgJmJ40zXGgl9y6cChX/aa0mlMEpK3GVUE4fQ1LlG4MVoUCkolgWdpOeOFqmSGlNaPCUHZkyl+6VB+bloHuqUyPpbOEo5VhhLTHDCeVUJmPq5047Yp1Xpx01nqjnped96cQ3kNrUDJQgsW+1HxLTtG6Acbii0eTCzNYAWeogpTrdNuTet8stLX2JAVJ9aQUSF6SBaQgxMKKe0mx+SzbkPShfk6t0hGSXYQb84p0uu2bra+/mzx8yhTgPUSTXVJ5vhW6ATjSx6tQzfvtL2zNY0eCf6nnZB0SuQJB8l5Bjyp0jQVyUyWz1o/p+5rY7Wgfh+7PzfNsGr/TvIp1v6sX92Ont/9w7q2WIPbDhevLm70MUTfD+126+KXkBHEzC/AupcC8t+a3Zzf3RQo4/LeZb9FY5T+qiwQrp5XTIVQWc7jrAA+RY5l9d95nQ+9Myu0kyXWK2zdntw9uU9SsWVY5ZUs87ICCYCSHvE7cM+lQzkIN1kO1ZsfVuw53nP8OzJGljORyErwAqbTgnMR50qlO8PynuM9x3+kYmS4qBLFs2mc0guFKhOpijJ++efHzmAT7dL19izDDqoGFzcP+Q2/+xFGz9M6fBCZwfUdCDyBFsO+dKMejSGPmoRW+trh2Pr/D5q2cyx9Bs3gq4bPYxbKeBY23wEVRxrtlg8AAA==&quot;"/>
-    <we:property name="creatorSessionId" value="&quot;ce4c724a-e035-4bd1-9637-383196f999cc&quot;"/>
+    <we:property name="bookmark" value="&quot;H4sIAAAAAAAAA+2XTVPbMBCG/0pG57TjDyWxuUGankrLkA6XDoeVtDICx/LIMiVl8t+7kkMLlJYZSqc5JJdYq7X23VePneiWKdO1Naw/wgrZATuy9moF7mqUsjFrhphGLoXgaa6ynC6miRBAs7b1xjYdO7hlHlyF/sx0PdRhIQp+OR8zqOsTqMJIQ93hmLXoOttAbb7hkExT3vW4GTO8aWvrICy59OAxLHtN6TQmCenbnCqC9OYalyj9EC0KDaVWwPOsnPFCC5UjpXVDQlT2ZEpYOpaf28aDaahMiGWzlKPIUWE2BUxmQqo8xLWp/TZFrBc3raPuqOd1G8w5VNfQSFQstuCwGxTfsmOErnex2OLBxNL2TuIp6jjVeOPXtM4np0KNDVlx4iwZFaOHZAE5OKKQNn50TD6bJiZd2K9zh2SUYgfJ5pwinWmqeuvrzxY/DzIluCDRiksyJ7RCN9hQ8mgdu3ln3J2t2fiR4H/aCUmnRJ5yUJznwFORZZlMZ6p81vo5dV9ZZyT1+9j9ua37VfN3kk+xCnf96vb4+d0/rCqHFfjtcPHq4gYfY/R932y3LnkJGVHM/AKcfykg/63ZzfndS4EyLu899ls0BumvygLhGnjFTEqdT3mSF8AnyLEU/53Xed95u0I3WmK1wsbvyd2T+yQVW4b1VKhyWgpQAKjKmdiBdy5dql760bIXb35Ysed4z/HvyBhYzmWqhOQFTCYF5zKZap3tDMt7jvcc/5GKgeFCpJrnkySjPxS6TJUuyuTlx4+dwWa8S8/bswx7EDUubh7yGz/3I4x+T6t4ILK971qQeAINxn1pBz0GYx41CY0KteO1C98fDG3nUPoM6j6esMPxmMUygYXNd/4N2cGWDwAA&quot;"/>
+    <we:property name="initialStateBookmark" value="&quot;H4sIAAAAAAAAA+2XUU/bMBDHv0rl52xqErdNeCtd98IKiE68TGi62JdgSOPIcRgd6nff2QkbMLZKjIk+tC+NL2ff//7+Ja3vmFRNXcL6GFbIDtih1tcrMNeDkAWs6mMnJ0eL6dnR1+PpYk5hXVulq4Yd3DELpkB7rpoWSrcCBb9cBAzK8hQKN8qhbDBgNZpGV1Cq79gl0y1rWtwEDG/rUhtwSy4tWHTL3lA6jal2+D6miiCsusElCttFkySHNJfA4yid8CTPZIyU1nQJXtmzKW5pX36mKwuqojIuFk1CjlmMEqMx4HCSCRm7eK5K26dk6/ltbag76nldO1em8gYqgZL5Fgw2neI7tkBoWuOLzR/dWOrWCDzD3N+qrLJrWufESFdjQ1acGk1G+eiULCAHBxTKlR0syGdV+aRL/W1mkIyS7GC4uaBIo6qi7H391eLnTqYA4yTq7IrMca3QBO1KHq59Nx+Uubc1Cp4I/q+dkHRK5CEHyXkMPMyiKBLhRKZbrZ9R94U2SlC/T92f6bJdVf8m+QwLN+t3t4Ptuz8tCoMF2H44f3VxnY8++rGt+q0bvoQML2Z2Cca+FJA3a3Zzcf9SoIyrB499j0Yn/VVZIFwdrxgJkcdjPowT4CPkmGZvzuusbaxeoRkssVhhZffk7sl9loqe4XycyXScZiABUKaTbAfeuXQpW2EHyzZ799OKPcd7jv9ERsdyLEKZCZ7AaJRwLobjPI92huU9x3uO/0pFx3CShTmPR8OI/lDkaSjzJB2+/PixM9gEu/S8bWXYQlbi/PYxv/7zMMLo97TwByLd2qYGgadQod+XutOj0OdRk1BJV9tfG/f9SdF2dqXPoWxdVX88Zr4IqVEkYcsEd2hmXpZjZ/MDwWYsTr8PAAA=&quot;"/>
+    <we:property name="isFiltersActionButtonVisible" value="true"/>
+    <we:property name="isVisualContainerHeaderHidden" value="false"/>
+    <we:property name="reportEmbeddedTime" value="&quot;2024-11-18T13:44:21.673Z&quot;"/>
     <we:property name="creatorTenantId" value="&quot;3d9c14c6-c3ed-4dae-bb5f-c37cccd3ab49&quot;"/>
     <we:property name="creatorUserId" value="&quot;10032003CBB44361&quot;"/>
-    <we:property name="datasetId" value="&quot;8caa287d-2856-4279-b7e6-4eec2e32df16&quot;"/>
-    <we:property name="embedUrl" value="&quot;/reportEmbed?reportId=8b7c46f9-cc72-46de-b923-037a03e4f333&amp;config=eyJjbHVzdGVyVXJsIjoiaHR0cHM6Ly9XQUJJLVdFU1QtRVVST1BFLUItUFJJTUFSWS1yZWRpcmVjdC5hbmFseXNpcy53aW5kb3dzLm5ldCIsImVtYmVkRmVhdHVyZXMiOnsidXNhZ2VNZXRyaWNzVk5leHQiOnRydWV9fQ%3D%3D&amp;disableSensitivityBanner=true&quot;"/>
-    <we:property name="initialStateBookmark" value="&quot;H4sIAAAAAAAAA+1XTW/bMAz9K4HO3hDbyod7S7Ps0qUtmqGXIRhoiXLVOrYhy12zIv99lOw26xogQLeiHZBTTIomHx9fZPCeSV1XOaxPYYXsiB2X5c0KzE0vZAErOt/Z2cl8cnHy/XQyn5G7rKwui5od3TMLJkN7qesGcpeBnN+WAYM8P4fMWQryGgNWoanLAnL9E9tgOrKmwU3A8K7KSwMu5cKCRZf2lsLJptrhx5gqgrD6FhcobOsdjxUkSgKPo2TExyqVMVJY3QZ4ZDtDXGpffloWFnRBZXxsGioeD/oR8IFKQqnGSd/5lc5tF5KuZ3eVoe6o53XlWJnIWygESuZbMFi3iO/ZJMsMZmA7c/bkcFrmzWqHf1E2RuAFKn9UWG3XVOPMSFd/QzSdm5JI9F56VNp67+em6DjpO/Oq/DE1SCRK5wgesU7JlZVGC8ifwf1HiGQjbK+rs2bPwSzJU+siyzsBbGfxtcVoIc1xduf0lV7TIB3tG5cnFqFMBR/DYDDmXPSHSkV7p/MOOg7+I6nsnY7wYKZXYOzTCZHhKh+vPfuftHn4k0bBH7jfrNnN8uEGoYjr3+6Ix+E56K+kiqXXMFfDVCbDJAUJgDIZkfVuNLxo0g8HHR90vFcZnZYxEkLFQ96Px/TBRI5J+uZanja1LVdoegvMVljYg44POt6pik7DIQfJeQw8TKMoEuHoHdzHF5i5tw7KPSh3q4VWr9Eo5JjGKDEaAvZHqZDxyzeUOULdGPw7hBNa0mjH67Vc9ea0Cepd4t0vCDDypUp41U489y52C43RZZL5cmVj6woEnkOBHmbVJtTo44hwKKRjwD8b9/tF06xaAi4hb1zvfj1mvghxomkD2vOCW5qZh+XB/QJrBRG2vw8AAA==&quot;"/>
-    <we:property name="isFiltersActionButtonVisible" value="true"/>
-    <we:property name="isVisualContainerHeaderHidden" value="false"/>
-    <we:property name="pageDisplayName" value="&quot;Profit&quot;"/>
-    <we:property name="pageName" value="&quot;88fa9fda4329748fbd3e&quot;"/>
-    <we:property name="reportEmbeddedTime" value="&quot;2024-10-17T08:58:55.548Z&quot;"/>
-    <we:property name="reportName" value="&quot;~$Marley International Store Sales analytics (Recovered 996ea20d5a0148f5bb637a7aa3f9b127)&quot;"/>
-    <we:property name="reportState" value="&quot;CONNECTED&quot;"/>
-    <we:property name="reportUrl" value="&quot;/groups/me/reports/8b7c46f9-cc72-46de-b923-037a03e4f333/88fa9fda4329748fbd3e?bookmarkGuid=b371b513-e5b0-461a-ba7d-6864c180b7a4&amp;bookmarkUsage=1&amp;ctid=3d9c14c6-c3ed-4dae-bb5f-c37cccd3ab49&amp;fromEntryPoint=export&quot;"/>
+    <we:property name="creatorSessionId" value="&quot;e6f7f19c-7253-4661-98f8-afb664ca98c4&quot;"/>
+    <we:property name="artifactViewState" value="&quot;live&quot;"/>
   </we:properties>
   <we:bindings/>
   <we:snapshot xmlns:r="http://schemas.openxmlformats.org/officeDocument/2006/relationships"/>
@@ -5580,7 +4878,7 @@
   <we:properties>
     <we:property name="artifactViewState" value="&quot;live&quot;"/>
     <we:property name="backgroundColor" value="&quot;#FFFFFF&quot;"/>
-    <we:property name="bookmark" value="&quot;H4sIAAAAAAAAA9VUTW/bMAz9K4HOxmA7/khya90MGLCPYBl6GXKgbdpRq0iCLGfJAv/3UbK7td2AXgps88XSI8P3SL74wmreaQHnj3BAtmLXSt0fwNzPIhYwOWJZFJZhmecRJMtFmS6bOI0pqrTlSnZsdWEWTIv2lnc9CFeIwK+7gIEQG2jdrQHRYcA0mk5JEPw7jskUsqbHIWB40kIZcCW3Fiy6skdKpztJiN7MiREqy4+4xcqOaDWPU4zDsE7DNMtLiMImo7RuTPDK/pjiSnv6QkkLXBKNw5IybuLFHMtk0eRJFacJhA5vuLBTSnlen7Sh7qjns3bDKUhrqwyvQDDfhcFuFH1hhRL9wZ/WT/Ct6k2Fn7HxIWm5PVOlT6Z2LAMNY2MUjcqj2z3Xsw+qRh/Yq2+FQaKs2Socgp8qruojyIrQ5xKu2tZgC3a6rl9dn0dn7248/raX027S39XuCOm4bMW0+19r+DI2oTkWezDWeau8oyW6kdOPlKO4Pvup33DzsP44eCb7L/Y67B7cSel3j/w32WMU/9p+2A0u2GC+nFd5mCFE2SLNM8TkRdv+D4YJ/ok/2Yu2tVAKXJ+eutY/jxF2QPpGuoPqbaehwg1I9CvRoxCOPo+6A1k7bn827v2e0yZH6lsQvWP1X1TmaZwNhh/5C9iWyQUAAA==&quot;"/>
+    <we:property name="bookmark" value="&quot;H4sIAAAAAAAAA9VUy27bMBD8FYNnIdBbjm+J4gAF+jDqIpcihxW1kpnQpEBRrl3D/94lpTRpEyCXAEF0kThc7QxnBzyyWvSdhMNX2CJbsEut77dg7mcRC5gaMV5DGlU8TaPzuKkTnOcV0K7urNCqZ4sjs2BatDeiH0C6RgT+vA0YSLmC1q0akD0GrEPTawVS/MaxmLasGfAUMNx3UhtwLdcWLLq2OyqnNUmIzhJiBG7FDtfI7YjyJM4wDsM6C7O8qCAKm5zK+rHAK3uxxLX29KVWFoQiGoc1WJwnvAhzhCifZ0WOmHpcSDuVVIflvjN0OjrzoXPmXNQ7UBxr5o9gsB8VH9lF2xpswU7L5T+bpZbD9gV8rQfD8Ts2fktZYQ/E8c3Ujv9ENq2MJhMf0dmnK49fD2pyJXPLjf5VGiQba7YIT8FftSVBrTaCg3wm+C00rTeim33RNbLnKm4J6YVq5TT7xzH8GMVZqCQu9y5a1R3N0DlO/2jHdHnwpl8J8zD9OPhP5zsaTmcjKK3iJp4nWKXzpkh5nKUQvpqf95xI8KFS/Gp+OoHlBoz9kAF6uN2o/O7J/TXFYxT/1nmg1LrnqV1si3SVuw892L4DjitQ6Nm7sYlAX0cxAVW7yfhv496fBeV8HMwNyMHNxF/8zNN4tj9fzB92cAYAAA==&quot;"/>
     <we:property name="creatorSessionId" value="&quot;2c7c7d15-0dff-401e-9b65-3f18bb895ffa&quot;"/>
     <we:property name="creatorTenantId" value="&quot;3d9c14c6-c3ed-4dae-bb5f-c37cccd3ab49&quot;"/>
     <we:property name="creatorUserId" value="&quot;10032003CBB44361&quot;"/>
